--- a/HW2/MLearn .pptx
+++ b/HW2/MLearn .pptx
@@ -7482,157 +7482,6 @@
           </a:p>
         </p:txBody>
       </p:sp>
-      <p:sp>
-        <p:nvSpPr>
-          <p:cNvPr id="57" name="標題 1">
-            <a:extLst>
-              <a:ext uri="{FF2B5EF4-FFF2-40B4-BE49-F238E27FC236}">
-                <a16:creationId xmlns:a16="http://schemas.microsoft.com/office/drawing/2014/main" id="{C325BF6B-637E-4227-B317-AEDFCA017A9F}"/>
-              </a:ext>
-            </a:extLst>
-          </p:cNvPr>
-          <p:cNvSpPr txBox="1">
-            <a:spLocks/>
-          </p:cNvSpPr>
-          <p:nvPr/>
-        </p:nvSpPr>
-        <p:spPr>
-          <a:xfrm>
-            <a:off x="1182269" y="4425319"/>
-            <a:ext cx="1708786" cy="724443"/>
-          </a:xfrm>
-          <a:prstGeom prst="rect">
-            <a:avLst/>
-          </a:prstGeom>
-        </p:spPr>
-        <p:txBody>
-          <a:bodyPr vert="horz" lIns="91440" tIns="45720" rIns="91440" bIns="45720" rtlCol="0" anchor="t">
-            <a:normAutofit/>
-          </a:bodyPr>
-          <a:lstStyle>
-            <a:lvl1pPr algn="l" defTabSz="457200" rtl="0" eaLnBrk="1" latinLnBrk="0" hangingPunct="1">
-              <a:spcBef>
-                <a:spcPct val="0"/>
-              </a:spcBef>
-              <a:buNone/>
-              <a:defRPr sz="3600" kern="1200">
-                <a:solidFill>
-                  <a:schemeClr val="accent1"/>
-                </a:solidFill>
-                <a:latin typeface="+mj-lt"/>
-                <a:ea typeface="+mj-ea"/>
-                <a:cs typeface="+mj-cs"/>
-              </a:defRPr>
-            </a:lvl1pPr>
-            <a:lvl2pPr eaLnBrk="1" hangingPunct="1">
-              <a:defRPr>
-                <a:solidFill>
-                  <a:schemeClr val="tx2"/>
-                </a:solidFill>
-              </a:defRPr>
-            </a:lvl2pPr>
-            <a:lvl3pPr eaLnBrk="1" hangingPunct="1">
-              <a:defRPr>
-                <a:solidFill>
-                  <a:schemeClr val="tx2"/>
-                </a:solidFill>
-              </a:defRPr>
-            </a:lvl3pPr>
-            <a:lvl4pPr eaLnBrk="1" hangingPunct="1">
-              <a:defRPr>
-                <a:solidFill>
-                  <a:schemeClr val="tx2"/>
-                </a:solidFill>
-              </a:defRPr>
-            </a:lvl4pPr>
-            <a:lvl5pPr eaLnBrk="1" hangingPunct="1">
-              <a:defRPr>
-                <a:solidFill>
-                  <a:schemeClr val="tx2"/>
-                </a:solidFill>
-              </a:defRPr>
-            </a:lvl5pPr>
-            <a:lvl6pPr eaLnBrk="1" hangingPunct="1">
-              <a:defRPr>
-                <a:solidFill>
-                  <a:schemeClr val="tx2"/>
-                </a:solidFill>
-              </a:defRPr>
-            </a:lvl6pPr>
-            <a:lvl7pPr eaLnBrk="1" hangingPunct="1">
-              <a:defRPr>
-                <a:solidFill>
-                  <a:schemeClr val="tx2"/>
-                </a:solidFill>
-              </a:defRPr>
-            </a:lvl7pPr>
-            <a:lvl8pPr eaLnBrk="1" hangingPunct="1">
-              <a:defRPr>
-                <a:solidFill>
-                  <a:schemeClr val="tx2"/>
-                </a:solidFill>
-              </a:defRPr>
-            </a:lvl8pPr>
-            <a:lvl9pPr eaLnBrk="1" hangingPunct="1">
-              <a:defRPr>
-                <a:solidFill>
-                  <a:schemeClr val="tx2"/>
-                </a:solidFill>
-              </a:defRPr>
-            </a:lvl9pPr>
-          </a:lstStyle>
-          <a:p>
-            <a:r>
-              <a:rPr lang="en-US" altLang="zh-TW" sz="1800"/>
-              <a:t>lossFunction :</a:t>
-            </a:r>
-            <a:br>
-              <a:rPr lang="en-US" altLang="zh-TW" sz="1800"/>
-            </a:br>
-            <a:r>
-              <a:rPr lang="en-US" altLang="zh-TW" sz="1800"/>
-              <a:t>MSE</a:t>
-            </a:r>
-            <a:endParaRPr lang="zh-TW" altLang="en-US" sz="1800" dirty="0"/>
-          </a:p>
-        </p:txBody>
-      </p:sp>
-      <p:pic>
-        <p:nvPicPr>
-          <p:cNvPr id="63" name="圖片 62">
-            <a:extLst>
-              <a:ext uri="{FF2B5EF4-FFF2-40B4-BE49-F238E27FC236}">
-                <a16:creationId xmlns:a16="http://schemas.microsoft.com/office/drawing/2014/main" id="{153BB4CD-4E1B-4C02-B803-41046F53DF5A}"/>
-              </a:ext>
-            </a:extLst>
-          </p:cNvPr>
-          <p:cNvPicPr>
-            <a:picLocks noChangeAspect="1"/>
-          </p:cNvPicPr>
-          <p:nvPr/>
-        </p:nvPicPr>
-        <p:blipFill>
-          <a:blip r:embed="rId3">
-            <a:extLst>
-              <a:ext uri="{28A0092B-C50C-407E-A947-70E740481C1C}">
-                <a14:useLocalDpi xmlns:a14="http://schemas.microsoft.com/office/drawing/2010/main" val="0"/>
-              </a:ext>
-            </a:extLst>
-          </a:blip>
-          <a:stretch>
-            <a:fillRect/>
-          </a:stretch>
-        </p:blipFill>
-        <p:spPr>
-          <a:xfrm>
-            <a:off x="1195817" y="4777582"/>
-            <a:ext cx="3390476" cy="590476"/>
-          </a:xfrm>
-          <a:prstGeom prst="rect">
-            <a:avLst/>
-          </a:prstGeom>
-        </p:spPr>
-      </p:pic>
       <p:sp>
         <p:nvSpPr>
           <p:cNvPr id="64" name="文字方塊 63">
@@ -8544,7 +8393,7 @@
           </p:nvSpPr>
           <p:spPr>
             <a:xfrm>
-              <a:off x="4486793" y="4712925"/>
+              <a:off x="4356440" y="4744885"/>
               <a:ext cx="635110" cy="369332"/>
             </a:xfrm>
             <a:prstGeom prst="rect">
@@ -10137,6 +9986,93 @@
           </a:fontRef>
         </p:style>
       </p:cxnSp>
+      <p:pic>
+        <p:nvPicPr>
+          <p:cNvPr id="58" name="圖片 57">
+            <a:extLst>
+              <a:ext uri="{FF2B5EF4-FFF2-40B4-BE49-F238E27FC236}">
+                <a16:creationId xmlns:a16="http://schemas.microsoft.com/office/drawing/2014/main" id="{58C0AAE1-7815-4A6E-96A1-50B5D4092563}"/>
+              </a:ext>
+            </a:extLst>
+          </p:cNvPr>
+          <p:cNvPicPr>
+            <a:picLocks noChangeAspect="1"/>
+          </p:cNvPicPr>
+          <p:nvPr/>
+        </p:nvPicPr>
+        <p:blipFill rotWithShape="1">
+          <a:blip r:embed="rId2">
+            <a:extLst>
+              <a:ext uri="{28A0092B-C50C-407E-A947-70E740481C1C}">
+                <a14:useLocalDpi xmlns:a14="http://schemas.microsoft.com/office/drawing/2010/main" val="0"/>
+              </a:ext>
+            </a:extLst>
+          </a:blip>
+          <a:srcRect t="26960" r="3949" b="26354"/>
+          <a:stretch/>
+        </p:blipFill>
+        <p:spPr>
+          <a:xfrm>
+            <a:off x="6196596" y="4692865"/>
+            <a:ext cx="4413435" cy="1206678"/>
+          </a:xfrm>
+          <a:prstGeom prst="rect">
+            <a:avLst/>
+          </a:prstGeom>
+        </p:spPr>
+      </p:pic>
+      <p:sp>
+        <p:nvSpPr>
+          <p:cNvPr id="2" name="文字方塊 1">
+            <a:extLst>
+              <a:ext uri="{FF2B5EF4-FFF2-40B4-BE49-F238E27FC236}">
+                <a16:creationId xmlns:a16="http://schemas.microsoft.com/office/drawing/2014/main" id="{E204C408-75DC-43B3-BF73-CE874542D9EF}"/>
+              </a:ext>
+            </a:extLst>
+          </p:cNvPr>
+          <p:cNvSpPr txBox="1"/>
+          <p:nvPr/>
+        </p:nvSpPr>
+        <p:spPr>
+          <a:xfrm>
+            <a:off x="6352917" y="5872961"/>
+            <a:ext cx="1337367" cy="369332"/>
+          </a:xfrm>
+          <a:prstGeom prst="rect">
+            <a:avLst/>
+          </a:prstGeom>
+          <a:noFill/>
+        </p:spPr>
+        <p:txBody>
+          <a:bodyPr wrap="square" rtlCol="0">
+            <a:spAutoFit/>
+          </a:bodyPr>
+          <a:lstStyle/>
+          <a:p>
+            <a:r>
+              <a:rPr lang="en-US" altLang="zh-TW" dirty="0"/>
+              <a:t>Y</a:t>
+            </a:r>
+            <a:r>
+              <a:rPr lang="zh-TW" altLang="en-US" dirty="0"/>
+              <a:t> 為 </a:t>
+            </a:r>
+            <a:r>
+              <a:rPr lang="en-US" altLang="zh-TW" dirty="0"/>
+              <a:t>0</a:t>
+            </a:r>
+            <a:r>
+              <a:rPr lang="zh-TW" altLang="en-US" dirty="0"/>
+              <a:t> 或 </a:t>
+            </a:r>
+            <a:r>
+              <a:rPr lang="en-US" altLang="zh-TW" dirty="0"/>
+              <a:t>1</a:t>
+            </a:r>
+            <a:endParaRPr lang="zh-TW" altLang="en-US" dirty="0"/>
+          </a:p>
+        </p:txBody>
+      </p:sp>
     </p:spTree>
     <p:extLst>
       <p:ext uri="{BB962C8B-B14F-4D97-AF65-F5344CB8AC3E}">
